--- a/other files/appendix说明.pptx
+++ b/other files/appendix说明.pptx
@@ -5,7 +5,7 @@
     <p:sldMasterId id="2147483648" r:id="rId1"/>
   </p:sldMasterIdLst>
   <p:notesMasterIdLst>
-    <p:notesMasterId r:id="rId14"/>
+    <p:notesMasterId r:id="rId16"/>
   </p:notesMasterIdLst>
   <p:sldIdLst>
     <p:sldId id="258" r:id="rId2"/>
@@ -19,7 +19,9 @@
     <p:sldId id="267" r:id="rId10"/>
     <p:sldId id="268" r:id="rId11"/>
     <p:sldId id="269" r:id="rId12"/>
-    <p:sldId id="263" r:id="rId13"/>
+    <p:sldId id="271" r:id="rId13"/>
+    <p:sldId id="270" r:id="rId14"/>
+    <p:sldId id="263" r:id="rId15"/>
   </p:sldIdLst>
   <p:sldSz cx="12192000" cy="6858000"/>
   <p:notesSz cx="6858000" cy="9144000"/>
@@ -4431,13 +4433,8 @@
             </a:r>
             <a:r>
               <a:rPr kumimoji="1" lang="zh-CN" altLang="en-US" dirty="0"/>
-              <a:t>最终被消费前是否有可能被</a:t>
-            </a:r>
-            <a:r>
-              <a:rPr kumimoji="1" lang="zh-CN" altLang="en-US"/>
-              <a:t>攻击者获得</a:t>
-            </a:r>
-            <a:endParaRPr kumimoji="1" lang="zh-CN" altLang="en-US" dirty="0"/>
+              <a:t>最终被消费前是否有可能被攻击者获得</a:t>
+            </a:r>
           </a:p>
         </p:txBody>
       </p:sp>
@@ -4476,6 +4473,352 @@
           <p:cNvPr id="2" name="标题 1">
             <a:extLst>
               <a:ext uri="{FF2B5EF4-FFF2-40B4-BE49-F238E27FC236}">
+                <a16:creationId xmlns:a16="http://schemas.microsoft.com/office/drawing/2014/main" id="{B66E1CCA-6079-F943-B902-F902F487D725}"/>
+              </a:ext>
+            </a:extLst>
+          </p:cNvPr>
+          <p:cNvSpPr>
+            <a:spLocks noGrp="1"/>
+          </p:cNvSpPr>
+          <p:nvPr>
+            <p:ph type="title"/>
+          </p:nvPr>
+        </p:nvSpPr>
+        <p:spPr/>
+        <p:txBody>
+          <a:bodyPr/>
+          <a:lstStyle/>
+          <a:p>
+            <a:r>
+              <a:rPr kumimoji="1" lang="en-US" altLang="zh-CN" dirty="0"/>
+              <a:t>Introduction</a:t>
+            </a:r>
+            <a:endParaRPr kumimoji="1" lang="zh-CN" altLang="en-US" dirty="0"/>
+          </a:p>
+        </p:txBody>
+      </p:sp>
+      <p:sp>
+        <p:nvSpPr>
+          <p:cNvPr id="3" name="内容占位符 2">
+            <a:extLst>
+              <a:ext uri="{FF2B5EF4-FFF2-40B4-BE49-F238E27FC236}">
+                <a16:creationId xmlns:a16="http://schemas.microsoft.com/office/drawing/2014/main" id="{15450917-FACF-504D-88CC-91E416F0997C}"/>
+              </a:ext>
+            </a:extLst>
+          </p:cNvPr>
+          <p:cNvSpPr>
+            <a:spLocks noGrp="1"/>
+          </p:cNvSpPr>
+          <p:nvPr>
+            <p:ph idx="1"/>
+          </p:nvPr>
+        </p:nvSpPr>
+        <p:spPr/>
+        <p:txBody>
+          <a:bodyPr/>
+          <a:lstStyle/>
+          <a:p>
+            <a:r>
+              <a:rPr kumimoji="1" lang="zh-CN" altLang="en-US" dirty="0"/>
+              <a:t>直接说已有工作不能够同时解决</a:t>
+            </a:r>
+            <a:r>
+              <a:rPr kumimoji="1" lang="en-US" altLang="zh-CN" dirty="0"/>
+              <a:t>RP-based</a:t>
+            </a:r>
+            <a:r>
+              <a:rPr kumimoji="1" lang="zh-CN" altLang="en-US" dirty="0"/>
+              <a:t>和</a:t>
+            </a:r>
+            <a:r>
+              <a:rPr kumimoji="1" lang="en-US" altLang="zh-CN" dirty="0"/>
+              <a:t>IdP-based</a:t>
+            </a:r>
+            <a:r>
+              <a:rPr kumimoji="1" lang="zh-CN" altLang="en-US" dirty="0"/>
+              <a:t>攻击是否足够准确</a:t>
+            </a:r>
+            <a:endParaRPr kumimoji="1" lang="en-US" altLang="zh-CN" dirty="0"/>
+          </a:p>
+          <a:p>
+            <a:pPr lvl="1"/>
+            <a:r>
+              <a:rPr kumimoji="1" lang="en-US" altLang="zh-CN" dirty="0"/>
+              <a:t>ELPASSO</a:t>
+            </a:r>
+            <a:r>
+              <a:rPr kumimoji="1" lang="zh-CN" altLang="en-US" dirty="0"/>
+              <a:t>是否可以直接不算做</a:t>
+            </a:r>
+            <a:r>
+              <a:rPr kumimoji="1" lang="en-US" altLang="zh-CN" dirty="0"/>
+              <a:t>SSO</a:t>
+            </a:r>
+            <a:endParaRPr kumimoji="1" lang="zh-CN" altLang="en-US" dirty="0"/>
+          </a:p>
+        </p:txBody>
+      </p:sp>
+    </p:spTree>
+    <p:extLst>
+      <p:ext uri="{BB962C8B-B14F-4D97-AF65-F5344CB8AC3E}">
+        <p14:creationId xmlns:p14="http://schemas.microsoft.com/office/powerpoint/2010/main" val="1434234399"/>
+      </p:ext>
+    </p:extLst>
+  </p:cSld>
+  <p:clrMapOvr>
+    <a:masterClrMapping/>
+  </p:clrMapOvr>
+</p:sld>
+</file>
+
+<file path=ppt/slides/slide13.xml><?xml version="1.0" encoding="utf-8"?>
+<p:sld xmlns:a="http://schemas.openxmlformats.org/drawingml/2006/main" xmlns:r="http://schemas.openxmlformats.org/officeDocument/2006/relationships" xmlns:p="http://schemas.openxmlformats.org/presentationml/2006/main">
+  <p:cSld>
+    <p:spTree>
+      <p:nvGrpSpPr>
+        <p:cNvPr id="1" name=""/>
+        <p:cNvGrpSpPr/>
+        <p:nvPr/>
+      </p:nvGrpSpPr>
+      <p:grpSpPr>
+        <a:xfrm>
+          <a:off x="0" y="0"/>
+          <a:ext cx="0" cy="0"/>
+          <a:chOff x="0" y="0"/>
+          <a:chExt cx="0" cy="0"/>
+        </a:xfrm>
+      </p:grpSpPr>
+      <p:sp>
+        <p:nvSpPr>
+          <p:cNvPr id="2" name="标题 1">
+            <a:extLst>
+              <a:ext uri="{FF2B5EF4-FFF2-40B4-BE49-F238E27FC236}">
+                <a16:creationId xmlns:a16="http://schemas.microsoft.com/office/drawing/2014/main" id="{98BABF68-83DB-0C40-BB54-86AED849DFE9}"/>
+              </a:ext>
+            </a:extLst>
+          </p:cNvPr>
+          <p:cNvSpPr>
+            <a:spLocks noGrp="1"/>
+          </p:cNvSpPr>
+          <p:nvPr>
+            <p:ph type="title"/>
+          </p:nvPr>
+        </p:nvSpPr>
+        <p:spPr/>
+        <p:txBody>
+          <a:bodyPr/>
+          <a:lstStyle/>
+          <a:p>
+            <a:r>
+              <a:rPr kumimoji="1" lang="en-US" altLang="zh-CN" dirty="0"/>
+              <a:t>Related</a:t>
+            </a:r>
+            <a:r>
+              <a:rPr kumimoji="1" lang="zh-CN" altLang="en-US" dirty="0"/>
+              <a:t> </a:t>
+            </a:r>
+            <a:r>
+              <a:rPr kumimoji="1" lang="en-US" altLang="zh-CN" dirty="0"/>
+              <a:t>work</a:t>
+            </a:r>
+            <a:endParaRPr kumimoji="1" lang="zh-CN" altLang="en-US" dirty="0"/>
+          </a:p>
+        </p:txBody>
+      </p:sp>
+      <p:sp>
+        <p:nvSpPr>
+          <p:cNvPr id="3" name="内容占位符 2">
+            <a:extLst>
+              <a:ext uri="{FF2B5EF4-FFF2-40B4-BE49-F238E27FC236}">
+                <a16:creationId xmlns:a16="http://schemas.microsoft.com/office/drawing/2014/main" id="{7D8712F3-40CB-8B49-A113-3F9EAA214215}"/>
+              </a:ext>
+            </a:extLst>
+          </p:cNvPr>
+          <p:cNvSpPr>
+            <a:spLocks noGrp="1"/>
+          </p:cNvSpPr>
+          <p:nvPr>
+            <p:ph idx="1"/>
+          </p:nvPr>
+        </p:nvSpPr>
+        <p:spPr/>
+        <p:txBody>
+          <a:bodyPr/>
+          <a:lstStyle/>
+          <a:p>
+            <a:r>
+              <a:rPr kumimoji="1" lang="zh-CN" altLang="en-US" dirty="0"/>
+              <a:t>补充了</a:t>
+            </a:r>
+            <a:endParaRPr kumimoji="1" lang="en-US" altLang="zh-CN" dirty="0"/>
+          </a:p>
+          <a:p>
+            <a:pPr lvl="1"/>
+            <a:r>
+              <a:rPr kumimoji="1" lang="en-US" altLang="zh-CN" dirty="0"/>
+              <a:t>Single</a:t>
+            </a:r>
+            <a:r>
+              <a:rPr kumimoji="1" lang="zh-CN" altLang="en-US" dirty="0"/>
+              <a:t> </a:t>
+            </a:r>
+            <a:r>
+              <a:rPr kumimoji="1" lang="en-US" altLang="zh-CN" dirty="0"/>
+              <a:t>sign</a:t>
+            </a:r>
+            <a:r>
+              <a:rPr kumimoji="1" lang="zh-CN" altLang="en-US" dirty="0"/>
+              <a:t> </a:t>
+            </a:r>
+            <a:r>
+              <a:rPr kumimoji="1" lang="en-US" altLang="zh-CN" dirty="0"/>
+              <a:t>off</a:t>
+            </a:r>
+          </a:p>
+          <a:p>
+            <a:pPr lvl="1"/>
+            <a:r>
+              <a:rPr kumimoji="1" lang="zh-CN" altLang="en-US" dirty="0"/>
+              <a:t>关于移动端的安全分析</a:t>
+            </a:r>
+            <a:endParaRPr kumimoji="1" lang="en-US" altLang="zh-CN" dirty="0"/>
+          </a:p>
+          <a:p>
+            <a:pPr lvl="1"/>
+            <a:r>
+              <a:rPr kumimoji="1" lang="zh-CN" altLang="en-US" dirty="0"/>
+              <a:t>依赖</a:t>
+            </a:r>
+            <a:r>
+              <a:rPr kumimoji="1" lang="en-US" altLang="zh-CN" dirty="0"/>
+              <a:t>user-maintained</a:t>
+            </a:r>
+            <a:r>
+              <a:rPr kumimoji="1" lang="zh-CN" altLang="en-US" dirty="0"/>
+              <a:t> </a:t>
+            </a:r>
+            <a:r>
+              <a:rPr kumimoji="1" lang="en-US" altLang="zh-CN" dirty="0"/>
+              <a:t>proof</a:t>
+            </a:r>
+            <a:r>
+              <a:rPr kumimoji="1" lang="zh-CN" altLang="en-US" dirty="0"/>
+              <a:t>的</a:t>
+            </a:r>
+            <a:r>
+              <a:rPr kumimoji="1" lang="en-US" altLang="zh-CN" dirty="0"/>
+              <a:t>privacy-preserving</a:t>
+            </a:r>
+            <a:r>
+              <a:rPr kumimoji="1" lang="zh-CN" altLang="en-US" dirty="0"/>
+              <a:t>方案</a:t>
+            </a:r>
+            <a:endParaRPr kumimoji="1" lang="en-US" altLang="zh-CN" dirty="0"/>
+          </a:p>
+          <a:p>
+            <a:pPr lvl="2"/>
+            <a:r>
+              <a:rPr kumimoji="1" lang="en-US" altLang="zh-CN" dirty="0"/>
+              <a:t>FIDO</a:t>
+            </a:r>
+            <a:r>
+              <a:rPr kumimoji="1" lang="zh-CN" altLang="en-US" dirty="0"/>
+              <a:t> </a:t>
+            </a:r>
+            <a:r>
+              <a:rPr kumimoji="1" lang="en-US" altLang="zh-CN" dirty="0"/>
+              <a:t>ELPASSO</a:t>
+            </a:r>
+            <a:r>
+              <a:rPr kumimoji="1" lang="zh-CN" altLang="en-US" dirty="0"/>
+              <a:t> </a:t>
+            </a:r>
+            <a:r>
+              <a:rPr kumimoji="1" lang="en-US" altLang="zh-CN" dirty="0" err="1"/>
+              <a:t>UnlimitID</a:t>
+            </a:r>
+            <a:r>
+              <a:rPr kumimoji="1" lang="zh-CN" altLang="en-US" dirty="0"/>
+              <a:t>归于这一类</a:t>
+            </a:r>
+            <a:endParaRPr kumimoji="1" lang="en-US" altLang="zh-CN" dirty="0"/>
+          </a:p>
+          <a:p>
+            <a:pPr lvl="2"/>
+            <a:r>
+              <a:rPr kumimoji="1" lang="en-US" altLang="zh-CN" dirty="0"/>
+              <a:t>FIDO</a:t>
+            </a:r>
+            <a:r>
+              <a:rPr kumimoji="1" lang="zh-CN" altLang="en-US" dirty="0"/>
+              <a:t>的缺陷是依赖</a:t>
+            </a:r>
+            <a:r>
+              <a:rPr kumimoji="1" lang="en-US" altLang="zh-CN" dirty="0"/>
+              <a:t>FIDO</a:t>
+            </a:r>
+            <a:r>
+              <a:rPr kumimoji="1" lang="zh-CN" altLang="en-US" dirty="0"/>
+              <a:t>联盟认证的设备</a:t>
+            </a:r>
+            <a:endParaRPr kumimoji="1" lang="en-US" altLang="zh-CN" dirty="0"/>
+          </a:p>
+          <a:p>
+            <a:pPr lvl="2"/>
+            <a:r>
+              <a:rPr kumimoji="1" lang="en-US" altLang="zh-CN" dirty="0"/>
+              <a:t>ELPASSO</a:t>
+            </a:r>
+            <a:r>
+              <a:rPr kumimoji="1" lang="zh-CN" altLang="en-US" dirty="0"/>
+              <a:t>， </a:t>
+            </a:r>
+            <a:r>
+              <a:rPr kumimoji="1" lang="en-US" altLang="zh-CN" dirty="0" err="1"/>
+              <a:t>UnlimitID</a:t>
+            </a:r>
+            <a:r>
+              <a:rPr kumimoji="1" lang="zh-CN" altLang="en-US" dirty="0"/>
+              <a:t>的缺陷是不适合跨设备使用</a:t>
+            </a:r>
+          </a:p>
+        </p:txBody>
+      </p:sp>
+    </p:spTree>
+    <p:extLst>
+      <p:ext uri="{BB962C8B-B14F-4D97-AF65-F5344CB8AC3E}">
+        <p14:creationId xmlns:p14="http://schemas.microsoft.com/office/powerpoint/2010/main" val="3776034376"/>
+      </p:ext>
+    </p:extLst>
+  </p:cSld>
+  <p:clrMapOvr>
+    <a:masterClrMapping/>
+  </p:clrMapOvr>
+</p:sld>
+</file>
+
+<file path=ppt/slides/slide14.xml><?xml version="1.0" encoding="utf-8"?>
+<p:sld xmlns:a="http://schemas.openxmlformats.org/drawingml/2006/main" xmlns:r="http://schemas.openxmlformats.org/officeDocument/2006/relationships" xmlns:p="http://schemas.openxmlformats.org/presentationml/2006/main">
+  <p:cSld>
+    <p:spTree>
+      <p:nvGrpSpPr>
+        <p:cNvPr id="1" name=""/>
+        <p:cNvGrpSpPr/>
+        <p:nvPr/>
+      </p:nvGrpSpPr>
+      <p:grpSpPr>
+        <a:xfrm>
+          <a:off x="0" y="0"/>
+          <a:ext cx="0" cy="0"/>
+          <a:chOff x="0" y="0"/>
+          <a:chExt cx="0" cy="0"/>
+        </a:xfrm>
+      </p:grpSpPr>
+      <p:sp>
+        <p:nvSpPr>
+          <p:cNvPr id="2" name="标题 1">
+            <a:extLst>
+              <a:ext uri="{FF2B5EF4-FFF2-40B4-BE49-F238E27FC236}">
                 <a16:creationId xmlns:a16="http://schemas.microsoft.com/office/drawing/2014/main" id="{3CCFFBCA-6E6D-3C45-8DC5-664F631FCC56}"/>
               </a:ext>
             </a:extLst>
@@ -4532,6 +4875,37 @@
         <p:txBody>
           <a:bodyPr/>
           <a:lstStyle/>
+          <a:p>
+            <a:r>
+              <a:rPr kumimoji="1" lang="en-US" altLang="zh-CN" dirty="0"/>
+              <a:t>User</a:t>
+            </a:r>
+            <a:r>
+              <a:rPr kumimoji="1" lang="zh-CN" altLang="en-US" dirty="0"/>
+              <a:t> </a:t>
+            </a:r>
+            <a:r>
+              <a:rPr kumimoji="1" lang="en-US" altLang="zh-CN" dirty="0"/>
+              <a:t>identification</a:t>
+            </a:r>
+            <a:r>
+              <a:rPr kumimoji="1" lang="zh-CN" altLang="en-US" dirty="0"/>
+              <a:t>中强调，用户不会使用攻击者的</a:t>
+            </a:r>
+            <a:r>
+              <a:rPr kumimoji="1" lang="en-US" altLang="zh-CN" dirty="0"/>
+              <a:t>token</a:t>
+            </a:r>
+            <a:r>
+              <a:rPr kumimoji="1" lang="zh-CN" altLang="en-US" dirty="0"/>
+              <a:t>登录</a:t>
+            </a:r>
+            <a:r>
+              <a:rPr kumimoji="1" lang="en-US" altLang="zh-CN"/>
+              <a:t>RP</a:t>
+            </a:r>
+            <a:endParaRPr kumimoji="1" lang="en-US" altLang="zh-CN" dirty="0"/>
+          </a:p>
           <a:p>
             <a:r>
               <a:rPr kumimoji="1" lang="zh-CN" altLang="en-US" dirty="0"/>

--- a/other files/appendix说明.pptx
+++ b/other files/appendix说明.pptx
@@ -5,7 +5,7 @@
     <p:sldMasterId id="2147483648" r:id="rId1"/>
   </p:sldMasterIdLst>
   <p:notesMasterIdLst>
-    <p:notesMasterId r:id="rId16"/>
+    <p:notesMasterId r:id="rId18"/>
   </p:notesMasterIdLst>
   <p:sldIdLst>
     <p:sldId id="258" r:id="rId2"/>
@@ -21,7 +21,9 @@
     <p:sldId id="269" r:id="rId12"/>
     <p:sldId id="271" r:id="rId13"/>
     <p:sldId id="270" r:id="rId14"/>
-    <p:sldId id="263" r:id="rId15"/>
+    <p:sldId id="272" r:id="rId15"/>
+    <p:sldId id="263" r:id="rId16"/>
+    <p:sldId id="273" r:id="rId17"/>
   </p:sldIdLst>
   <p:sldSz cx="12192000" cy="6858000"/>
   <p:notesSz cx="6858000" cy="9144000"/>
@@ -3951,257 +3953,402 @@
         </p:nvSpPr>
         <p:spPr/>
         <p:txBody>
-          <a:bodyPr/>
-          <a:lstStyle/>
-          <a:p>
-            <a:r>
-              <a:rPr kumimoji="1" lang="zh-CN" altLang="en-US" dirty="0"/>
-              <a:t>定义一个安全的</a:t>
-            </a:r>
-            <a:r>
-              <a:rPr kumimoji="1" lang="en-US" altLang="zh-CN" dirty="0"/>
+          <a:bodyPr>
+            <a:normAutofit lnSpcReduction="10000"/>
+          </a:bodyPr>
+          <a:lstStyle/>
+          <a:p>
+            <a:r>
+              <a:rPr kumimoji="1" lang="zh-CN" altLang="en-US" dirty="0"/>
+              <a:t>证明形式：</a:t>
+            </a:r>
+            <a:endParaRPr kumimoji="1" lang="en-US" altLang="zh-CN" dirty="0"/>
+          </a:p>
+          <a:p>
+            <a:pPr lvl="1"/>
+            <a:r>
+              <a:rPr kumimoji="1" lang="en-US" altLang="zh-CN" dirty="0"/>
+              <a:t>Definition</a:t>
+            </a:r>
+            <a:r>
+              <a:rPr kumimoji="1" lang="zh-CN" altLang="en-US" dirty="0"/>
+              <a:t>：定义一个安全的</a:t>
+            </a:r>
+            <a:r>
+              <a:rPr kumimoji="1" lang="en-US" altLang="zh-CN" dirty="0"/>
+              <a:t>SSO</a:t>
+            </a:r>
+            <a:r>
+              <a:rPr kumimoji="1" lang="zh-CN" altLang="en-US" dirty="0"/>
+              <a:t>系统应该满足，只有</a:t>
+            </a:r>
+            <a:r>
+              <a:rPr kumimoji="1" lang="en-US" altLang="zh-CN" dirty="0"/>
+              <a:t>honest</a:t>
+            </a:r>
+            <a:r>
+              <a:rPr kumimoji="1" lang="zh-CN" altLang="en-US" dirty="0"/>
+              <a:t> </a:t>
+            </a:r>
+            <a:r>
+              <a:rPr kumimoji="1" lang="en-US" altLang="zh-CN" dirty="0"/>
+              <a:t>user</a:t>
+            </a:r>
+            <a:r>
+              <a:rPr kumimoji="1" lang="zh-CN" altLang="en-US" dirty="0"/>
+              <a:t>能够以他对应的身份登录</a:t>
+            </a:r>
+            <a:r>
+              <a:rPr kumimoji="1" lang="en-US" altLang="zh-CN" dirty="0"/>
+              <a:t>honest</a:t>
+            </a:r>
+            <a:r>
+              <a:rPr kumimoji="1" lang="zh-CN" altLang="en-US" dirty="0"/>
+              <a:t> </a:t>
+            </a:r>
+            <a:r>
+              <a:rPr kumimoji="1" lang="en-US" altLang="zh-CN" dirty="0"/>
+              <a:t>RP</a:t>
+            </a:r>
+          </a:p>
+          <a:p>
+            <a:pPr lvl="1"/>
+            <a:r>
+              <a:rPr kumimoji="1" lang="zh-CN" altLang="en-US" dirty="0"/>
+              <a:t>转化为相应的</a:t>
+            </a:r>
+            <a:r>
+              <a:rPr kumimoji="1" lang="en-US" altLang="zh-CN" dirty="0"/>
+              <a:t>Lemma</a:t>
+            </a:r>
+          </a:p>
+          <a:p>
+            <a:pPr lvl="1"/>
+            <a:r>
+              <a:rPr kumimoji="1" lang="en-US" altLang="zh-CN" dirty="0"/>
+              <a:t>Lemma</a:t>
+            </a:r>
+            <a:r>
+              <a:rPr kumimoji="1" lang="zh-CN" altLang="en-US" dirty="0"/>
+              <a:t> </a:t>
+            </a:r>
+            <a:r>
+              <a:rPr kumimoji="1" lang="en-US" altLang="zh-CN" dirty="0"/>
+              <a:t>1</a:t>
+            </a:r>
+            <a:r>
+              <a:rPr kumimoji="1" lang="zh-CN" altLang="en-US" dirty="0"/>
+              <a:t>（</a:t>
+            </a:r>
+            <a:r>
+              <a:rPr kumimoji="1" lang="en-US" altLang="zh-CN" dirty="0"/>
+              <a:t>confidentiality</a:t>
+            </a:r>
+            <a:r>
+              <a:rPr kumimoji="1" lang="zh-CN" altLang="en-US" dirty="0"/>
+              <a:t>）：攻击者不能窃取一个</a:t>
+            </a:r>
+            <a:r>
+              <a:rPr kumimoji="1" lang="en-US" altLang="zh-CN" dirty="0"/>
+              <a:t>honest</a:t>
+            </a:r>
+            <a:r>
+              <a:rPr kumimoji="1" lang="zh-CN" altLang="en-US" dirty="0"/>
+              <a:t> </a:t>
+            </a:r>
+            <a:r>
+              <a:rPr kumimoji="1" lang="en-US" altLang="zh-CN" dirty="0"/>
+              <a:t>user</a:t>
+            </a:r>
+            <a:r>
+              <a:rPr kumimoji="1" lang="zh-CN" altLang="en-US" dirty="0"/>
+              <a:t>登录</a:t>
+            </a:r>
+            <a:r>
+              <a:rPr kumimoji="1" lang="en-US" altLang="zh-CN" dirty="0"/>
+              <a:t>honest</a:t>
+            </a:r>
+            <a:r>
+              <a:rPr kumimoji="1" lang="zh-CN" altLang="en-US" dirty="0"/>
+              <a:t> </a:t>
+            </a:r>
+            <a:r>
+              <a:rPr kumimoji="1" lang="en-US" altLang="zh-CN" dirty="0"/>
+              <a:t>RP</a:t>
+            </a:r>
+            <a:r>
+              <a:rPr kumimoji="1" lang="zh-CN" altLang="en-US" dirty="0"/>
+              <a:t>的</a:t>
+            </a:r>
+            <a:r>
+              <a:rPr kumimoji="1" lang="en-US" altLang="zh-CN" dirty="0"/>
+              <a:t>token</a:t>
+            </a:r>
+          </a:p>
+          <a:p>
+            <a:pPr lvl="1"/>
+            <a:r>
+              <a:rPr kumimoji="1" lang="en-US" altLang="zh-CN" dirty="0"/>
+              <a:t>Lemma</a:t>
+            </a:r>
+            <a:r>
+              <a:rPr kumimoji="1" lang="zh-CN" altLang="en-US" dirty="0"/>
+              <a:t> </a:t>
+            </a:r>
+            <a:r>
+              <a:rPr kumimoji="1" lang="en-US" altLang="zh-CN" dirty="0"/>
+              <a:t>2</a:t>
+            </a:r>
+            <a:r>
+              <a:rPr kumimoji="1" lang="zh-CN" altLang="en-US" dirty="0"/>
+              <a:t>（</a:t>
+            </a:r>
+            <a:r>
+              <a:rPr kumimoji="1" lang="en-US" altLang="zh-CN" dirty="0"/>
+              <a:t>RP</a:t>
+            </a:r>
+            <a:r>
+              <a:rPr kumimoji="1" lang="zh-CN" altLang="en-US" dirty="0"/>
+              <a:t> </a:t>
+            </a:r>
+            <a:r>
+              <a:rPr kumimoji="1" lang="en-US" altLang="zh-CN" dirty="0"/>
+              <a:t>designation</a:t>
+            </a:r>
+            <a:r>
+              <a:rPr kumimoji="1" lang="zh-CN" altLang="en-US" dirty="0"/>
+              <a:t>）：</a:t>
+            </a:r>
+            <a:r>
+              <a:rPr kumimoji="1" lang="en-US" altLang="zh-CN" dirty="0"/>
+              <a:t>honest</a:t>
+            </a:r>
+            <a:r>
+              <a:rPr kumimoji="1" lang="zh-CN" altLang="en-US" dirty="0"/>
+              <a:t> </a:t>
+            </a:r>
+            <a:r>
+              <a:rPr kumimoji="1" lang="en-US" altLang="zh-CN" dirty="0"/>
+              <a:t>RP</a:t>
+            </a:r>
+            <a:r>
+              <a:rPr kumimoji="1" lang="zh-CN" altLang="en-US" dirty="0"/>
+              <a:t>不会接受一个</a:t>
+            </a:r>
+            <a:r>
+              <a:rPr kumimoji="1" lang="en-US" altLang="zh-CN" dirty="0"/>
+              <a:t>user</a:t>
+            </a:r>
+            <a:r>
+              <a:rPr kumimoji="1" lang="zh-CN" altLang="en-US" dirty="0"/>
+              <a:t>在其他</a:t>
+            </a:r>
+            <a:r>
+              <a:rPr kumimoji="1" lang="en-US" altLang="zh-CN" dirty="0"/>
+              <a:t>RP</a:t>
+            </a:r>
+            <a:r>
+              <a:rPr kumimoji="1" lang="zh-CN" altLang="en-US" dirty="0"/>
+              <a:t>登录的</a:t>
+            </a:r>
+            <a:r>
+              <a:rPr kumimoji="1" lang="en-US" altLang="zh-CN" dirty="0"/>
+              <a:t>token</a:t>
+            </a:r>
+          </a:p>
+          <a:p>
+            <a:pPr lvl="1"/>
+            <a:r>
+              <a:rPr kumimoji="1" lang="en-US" altLang="zh-CN" dirty="0"/>
+              <a:t>Lemma</a:t>
+            </a:r>
+            <a:r>
+              <a:rPr kumimoji="1" lang="zh-CN" altLang="en-US" dirty="0"/>
+              <a:t> </a:t>
+            </a:r>
+            <a:r>
+              <a:rPr kumimoji="1" lang="en-US" altLang="zh-CN" dirty="0"/>
+              <a:t>3</a:t>
+            </a:r>
+            <a:r>
+              <a:rPr kumimoji="1" lang="zh-CN" altLang="en-US" dirty="0"/>
+              <a:t>（</a:t>
+            </a:r>
+            <a:r>
+              <a:rPr kumimoji="1" lang="en-US" altLang="zh-CN" dirty="0"/>
+              <a:t>integrity</a:t>
+            </a:r>
+            <a:r>
+              <a:rPr kumimoji="1" lang="zh-CN" altLang="en-US" dirty="0"/>
+              <a:t>）：攻击者不能伪造一个</a:t>
+            </a:r>
+            <a:r>
+              <a:rPr kumimoji="1" lang="en-US" altLang="zh-CN" dirty="0"/>
+              <a:t>honest</a:t>
+            </a:r>
+            <a:r>
+              <a:rPr kumimoji="1" lang="zh-CN" altLang="en-US" dirty="0"/>
+              <a:t> </a:t>
+            </a:r>
+            <a:r>
+              <a:rPr kumimoji="1" lang="en-US" altLang="zh-CN" dirty="0"/>
+              <a:t>user</a:t>
+            </a:r>
+            <a:r>
+              <a:rPr kumimoji="1" lang="zh-CN" altLang="en-US" dirty="0"/>
+              <a:t>登录</a:t>
+            </a:r>
+            <a:r>
+              <a:rPr kumimoji="1" lang="en-US" altLang="zh-CN" dirty="0"/>
+              <a:t>honest</a:t>
+            </a:r>
+            <a:r>
+              <a:rPr kumimoji="1" lang="zh-CN" altLang="en-US" dirty="0"/>
+              <a:t> </a:t>
+            </a:r>
+            <a:r>
+              <a:rPr kumimoji="1" lang="en-US" altLang="zh-CN" dirty="0"/>
+              <a:t>RP</a:t>
+            </a:r>
+            <a:r>
+              <a:rPr kumimoji="1" lang="zh-CN" altLang="en-US" dirty="0"/>
+              <a:t>的</a:t>
+            </a:r>
+            <a:r>
+              <a:rPr kumimoji="1" lang="en-US" altLang="zh-CN" dirty="0"/>
+              <a:t>token</a:t>
+            </a:r>
+          </a:p>
+          <a:p>
+            <a:pPr lvl="1"/>
+            <a:r>
+              <a:rPr kumimoji="1" lang="en-US" altLang="zh-CN" dirty="0"/>
+              <a:t>Lemma</a:t>
+            </a:r>
+            <a:r>
+              <a:rPr kumimoji="1" lang="zh-CN" altLang="en-US" dirty="0"/>
+              <a:t> </a:t>
+            </a:r>
+            <a:r>
+              <a:rPr kumimoji="1" lang="en-US" altLang="zh-CN" dirty="0"/>
+              <a:t>4</a:t>
+            </a:r>
+            <a:r>
+              <a:rPr kumimoji="1" lang="zh-CN" altLang="en-US" dirty="0"/>
+              <a:t>（</a:t>
+            </a:r>
+            <a:r>
+              <a:rPr kumimoji="1" lang="en-US" altLang="zh-CN" dirty="0"/>
+              <a:t>user</a:t>
+            </a:r>
+            <a:r>
+              <a:rPr kumimoji="1" lang="zh-CN" altLang="en-US" dirty="0"/>
+              <a:t> </a:t>
+            </a:r>
+            <a:r>
+              <a:rPr kumimoji="1" lang="en-US" altLang="zh-CN" dirty="0"/>
+              <a:t>identification</a:t>
+            </a:r>
+            <a:r>
+              <a:rPr kumimoji="1" lang="zh-CN" altLang="en-US" dirty="0"/>
+              <a:t>）：</a:t>
+            </a:r>
+            <a:r>
+              <a:rPr kumimoji="1" lang="en-US" altLang="zh-CN" dirty="0"/>
+              <a:t>honest</a:t>
+            </a:r>
+            <a:r>
+              <a:rPr kumimoji="1" lang="zh-CN" altLang="en-US" dirty="0"/>
+              <a:t> </a:t>
+            </a:r>
+            <a:r>
+              <a:rPr kumimoji="1" lang="en-US" altLang="zh-CN" dirty="0"/>
+              <a:t>user</a:t>
+            </a:r>
+            <a:r>
+              <a:rPr kumimoji="1" lang="zh-CN" altLang="en-US" dirty="0"/>
+              <a:t>总能以自己的身份登录</a:t>
+            </a:r>
+            <a:r>
+              <a:rPr kumimoji="1" lang="en-US" altLang="zh-CN" dirty="0"/>
+              <a:t>RP</a:t>
+            </a:r>
+          </a:p>
+          <a:p>
+            <a:pPr lvl="1"/>
+            <a:r>
+              <a:rPr kumimoji="1" lang="en-US" altLang="zh-CN" dirty="0">
+                <a:solidFill>
+                  <a:srgbClr val="FF0000"/>
+                </a:solidFill>
+              </a:rPr>
+              <a:t>Theorem</a:t>
+            </a:r>
+            <a:r>
+              <a:rPr kumimoji="1" lang="zh-CN" altLang="en-US" dirty="0">
+                <a:solidFill>
+                  <a:srgbClr val="FF0000"/>
+                </a:solidFill>
+              </a:rPr>
+              <a:t>：</a:t>
+            </a:r>
+            <a:r>
+              <a:rPr kumimoji="1" lang="en-US" altLang="zh-CN" dirty="0">
+                <a:solidFill>
+                  <a:srgbClr val="FF0000"/>
+                </a:solidFill>
+              </a:rPr>
               <a:t>UPPRESSO</a:t>
             </a:r>
             <a:r>
-              <a:rPr kumimoji="1" lang="zh-CN" altLang="en-US" dirty="0"/>
-              <a:t>系统应该满足，只有</a:t>
-            </a:r>
-            <a:r>
-              <a:rPr kumimoji="1" lang="en-US" altLang="zh-CN" dirty="0"/>
-              <a:t>honest</a:t>
-            </a:r>
-            <a:r>
-              <a:rPr kumimoji="1" lang="zh-CN" altLang="en-US" dirty="0"/>
+              <a:rPr kumimoji="1" lang="zh-CN" altLang="en-US" dirty="0">
+                <a:solidFill>
+                  <a:srgbClr val="FF0000"/>
+                </a:solidFill>
+              </a:rPr>
               <a:t> </a:t>
             </a:r>
             <a:r>
-              <a:rPr kumimoji="1" lang="en-US" altLang="zh-CN" dirty="0"/>
-              <a:t>user</a:t>
-            </a:r>
-            <a:r>
-              <a:rPr kumimoji="1" lang="zh-CN" altLang="en-US" dirty="0"/>
-              <a:t>能够以他对应的身份登录</a:t>
-            </a:r>
-            <a:r>
-              <a:rPr kumimoji="1" lang="en-US" altLang="zh-CN" dirty="0"/>
-              <a:t>honest</a:t>
-            </a:r>
-            <a:r>
-              <a:rPr kumimoji="1" lang="zh-CN" altLang="en-US" dirty="0"/>
+              <a:rPr kumimoji="1" lang="en-US" altLang="zh-CN" dirty="0">
+                <a:solidFill>
+                  <a:srgbClr val="FF0000"/>
+                </a:solidFill>
+              </a:rPr>
+              <a:t>is</a:t>
+            </a:r>
+            <a:r>
+              <a:rPr kumimoji="1" lang="zh-CN" altLang="en-US" dirty="0">
+                <a:solidFill>
+                  <a:srgbClr val="FF0000"/>
+                </a:solidFill>
+              </a:rPr>
               <a:t> </a:t>
             </a:r>
             <a:r>
-              <a:rPr kumimoji="1" lang="en-US" altLang="zh-CN" dirty="0"/>
-              <a:t>RP</a:t>
-            </a:r>
+              <a:rPr kumimoji="1" lang="en-US" altLang="zh-CN" dirty="0">
+                <a:solidFill>
+                  <a:srgbClr val="FF0000"/>
+                </a:solidFill>
+              </a:rPr>
+              <a:t>secure.</a:t>
+            </a:r>
+            <a:r>
+              <a:rPr kumimoji="1" lang="zh-CN" altLang="en-US" dirty="0">
+                <a:solidFill>
+                  <a:srgbClr val="FF0000"/>
+                </a:solidFill>
+              </a:rPr>
+              <a:t> </a:t>
+            </a:r>
+            <a:endParaRPr kumimoji="1" lang="en-US" altLang="zh-CN" dirty="0">
+              <a:solidFill>
+                <a:srgbClr val="FF0000"/>
+              </a:solidFill>
+            </a:endParaRPr>
           </a:p>
           <a:p>
             <a:pPr lvl="1"/>
-            <a:r>
-              <a:rPr kumimoji="1" lang="zh-CN" altLang="en-US" dirty="0"/>
-              <a:t>转化为相应的</a:t>
-            </a:r>
-            <a:r>
-              <a:rPr kumimoji="1" lang="en-US" altLang="zh-CN" dirty="0"/>
-              <a:t>Lemma</a:t>
-            </a:r>
-          </a:p>
-          <a:p>
-            <a:pPr lvl="1"/>
-            <a:r>
-              <a:rPr kumimoji="1" lang="en-US" altLang="zh-CN" dirty="0"/>
-              <a:t>Lemma</a:t>
-            </a:r>
-            <a:r>
-              <a:rPr kumimoji="1" lang="zh-CN" altLang="en-US" dirty="0"/>
-              <a:t> </a:t>
-            </a:r>
-            <a:r>
-              <a:rPr kumimoji="1" lang="en-US" altLang="zh-CN" dirty="0"/>
-              <a:t>1</a:t>
-            </a:r>
-            <a:r>
-              <a:rPr kumimoji="1" lang="zh-CN" altLang="en-US" dirty="0"/>
-              <a:t>（</a:t>
-            </a:r>
-            <a:r>
-              <a:rPr kumimoji="1" lang="en-US" altLang="zh-CN" dirty="0"/>
-              <a:t>confidentiality</a:t>
-            </a:r>
-            <a:r>
-              <a:rPr kumimoji="1" lang="zh-CN" altLang="en-US" dirty="0"/>
-              <a:t>）：攻击者不能窃取一个</a:t>
-            </a:r>
-            <a:r>
-              <a:rPr kumimoji="1" lang="en-US" altLang="zh-CN" dirty="0"/>
-              <a:t>honest</a:t>
-            </a:r>
-            <a:r>
-              <a:rPr kumimoji="1" lang="zh-CN" altLang="en-US" dirty="0"/>
-              <a:t> </a:t>
-            </a:r>
-            <a:r>
-              <a:rPr kumimoji="1" lang="en-US" altLang="zh-CN" dirty="0"/>
-              <a:t>user</a:t>
-            </a:r>
-            <a:r>
-              <a:rPr kumimoji="1" lang="zh-CN" altLang="en-US" dirty="0"/>
-              <a:t>登录</a:t>
-            </a:r>
-            <a:r>
-              <a:rPr kumimoji="1" lang="en-US" altLang="zh-CN" dirty="0"/>
-              <a:t>honest</a:t>
-            </a:r>
-            <a:r>
-              <a:rPr kumimoji="1" lang="zh-CN" altLang="en-US" dirty="0"/>
-              <a:t> </a:t>
-            </a:r>
-            <a:r>
-              <a:rPr kumimoji="1" lang="en-US" altLang="zh-CN" dirty="0"/>
-              <a:t>RP</a:t>
-            </a:r>
-            <a:r>
-              <a:rPr kumimoji="1" lang="zh-CN" altLang="en-US" dirty="0"/>
-              <a:t>的</a:t>
-            </a:r>
-            <a:r>
-              <a:rPr kumimoji="1" lang="en-US" altLang="zh-CN" dirty="0"/>
-              <a:t>token</a:t>
-            </a:r>
-          </a:p>
-          <a:p>
-            <a:pPr lvl="1"/>
-            <a:r>
-              <a:rPr kumimoji="1" lang="en-US" altLang="zh-CN" dirty="0"/>
-              <a:t>Lemma</a:t>
-            </a:r>
-            <a:r>
-              <a:rPr kumimoji="1" lang="zh-CN" altLang="en-US" dirty="0"/>
-              <a:t> </a:t>
-            </a:r>
-            <a:r>
-              <a:rPr kumimoji="1" lang="en-US" altLang="zh-CN" dirty="0"/>
-              <a:t>2</a:t>
-            </a:r>
-            <a:r>
-              <a:rPr kumimoji="1" lang="zh-CN" altLang="en-US" dirty="0"/>
-              <a:t>（</a:t>
-            </a:r>
-            <a:r>
-              <a:rPr kumimoji="1" lang="en-US" altLang="zh-CN" dirty="0"/>
-              <a:t>RP</a:t>
-            </a:r>
-            <a:r>
-              <a:rPr kumimoji="1" lang="zh-CN" altLang="en-US" dirty="0"/>
-              <a:t> </a:t>
-            </a:r>
-            <a:r>
-              <a:rPr kumimoji="1" lang="en-US" altLang="zh-CN" dirty="0"/>
-              <a:t>designation</a:t>
-            </a:r>
-            <a:r>
-              <a:rPr kumimoji="1" lang="zh-CN" altLang="en-US" dirty="0"/>
-              <a:t>）：</a:t>
-            </a:r>
-            <a:r>
-              <a:rPr kumimoji="1" lang="en-US" altLang="zh-CN" dirty="0"/>
-              <a:t>honest</a:t>
-            </a:r>
-            <a:r>
-              <a:rPr kumimoji="1" lang="zh-CN" altLang="en-US" dirty="0"/>
-              <a:t> </a:t>
-            </a:r>
-            <a:r>
-              <a:rPr kumimoji="1" lang="en-US" altLang="zh-CN" dirty="0"/>
-              <a:t>RP</a:t>
-            </a:r>
-            <a:r>
-              <a:rPr kumimoji="1" lang="zh-CN" altLang="en-US" dirty="0"/>
-              <a:t>不会接受一个</a:t>
-            </a:r>
-            <a:r>
-              <a:rPr kumimoji="1" lang="en-US" altLang="zh-CN" dirty="0"/>
-              <a:t>user</a:t>
-            </a:r>
-            <a:r>
-              <a:rPr kumimoji="1" lang="zh-CN" altLang="en-US" dirty="0"/>
-              <a:t>在其他</a:t>
-            </a:r>
-            <a:r>
-              <a:rPr kumimoji="1" lang="en-US" altLang="zh-CN" dirty="0"/>
-              <a:t>RP</a:t>
-            </a:r>
-            <a:r>
-              <a:rPr kumimoji="1" lang="zh-CN" altLang="en-US" dirty="0"/>
-              <a:t>登录的</a:t>
-            </a:r>
-            <a:r>
-              <a:rPr kumimoji="1" lang="en-US" altLang="zh-CN" dirty="0"/>
-              <a:t>token</a:t>
-            </a:r>
-          </a:p>
-          <a:p>
-            <a:pPr lvl="1"/>
-            <a:r>
-              <a:rPr kumimoji="1" lang="en-US" altLang="zh-CN" dirty="0"/>
-              <a:t>Lemma</a:t>
-            </a:r>
-            <a:r>
-              <a:rPr kumimoji="1" lang="zh-CN" altLang="en-US" dirty="0"/>
-              <a:t> </a:t>
-            </a:r>
-            <a:r>
-              <a:rPr kumimoji="1" lang="en-US" altLang="zh-CN" dirty="0"/>
-              <a:t>3</a:t>
-            </a:r>
-            <a:r>
-              <a:rPr kumimoji="1" lang="zh-CN" altLang="en-US" dirty="0"/>
-              <a:t>（</a:t>
-            </a:r>
-            <a:r>
-              <a:rPr kumimoji="1" lang="en-US" altLang="zh-CN" dirty="0"/>
-              <a:t>integrity</a:t>
-            </a:r>
-            <a:r>
-              <a:rPr kumimoji="1" lang="zh-CN" altLang="en-US" dirty="0"/>
-              <a:t>）：攻击者不能伪造一个</a:t>
-            </a:r>
-            <a:r>
-              <a:rPr kumimoji="1" lang="en-US" altLang="zh-CN" dirty="0"/>
-              <a:t>honest</a:t>
-            </a:r>
-            <a:r>
-              <a:rPr kumimoji="1" lang="zh-CN" altLang="en-US" dirty="0"/>
-              <a:t> </a:t>
-            </a:r>
-            <a:r>
-              <a:rPr kumimoji="1" lang="en-US" altLang="zh-CN" dirty="0"/>
-              <a:t>user</a:t>
-            </a:r>
-            <a:r>
-              <a:rPr kumimoji="1" lang="zh-CN" altLang="en-US" dirty="0"/>
-              <a:t>登录</a:t>
-            </a:r>
-            <a:r>
-              <a:rPr kumimoji="1" lang="en-US" altLang="zh-CN" dirty="0"/>
-              <a:t>honest</a:t>
-            </a:r>
-            <a:r>
-              <a:rPr kumimoji="1" lang="zh-CN" altLang="en-US" dirty="0"/>
-              <a:t> </a:t>
-            </a:r>
-            <a:r>
-              <a:rPr kumimoji="1" lang="en-US" altLang="zh-CN" dirty="0"/>
-              <a:t>RP</a:t>
-            </a:r>
-            <a:r>
-              <a:rPr kumimoji="1" lang="zh-CN" altLang="en-US" dirty="0"/>
-              <a:t>的</a:t>
-            </a:r>
-            <a:r>
-              <a:rPr kumimoji="1" lang="en-US" altLang="zh-CN" dirty="0"/>
-              <a:t>token</a:t>
-            </a:r>
+            <a:endParaRPr kumimoji="1" lang="en-US" altLang="zh-CN" dirty="0"/>
           </a:p>
         </p:txBody>
       </p:sp>
@@ -4283,7 +4430,7 @@
           <a:p>
             <a:r>
               <a:rPr kumimoji="1" lang="zh-CN" altLang="en-US" dirty="0"/>
-              <a:t>对三个</a:t>
+              <a:t>对四个</a:t>
             </a:r>
             <a:r>
               <a:rPr kumimoji="1" lang="en-US" altLang="zh-CN" dirty="0"/>
@@ -4781,6 +4928,11 @@
               <a:rPr kumimoji="1" lang="zh-CN" altLang="en-US" dirty="0"/>
               <a:t>的缺陷是不适合跨设备使用</a:t>
             </a:r>
+            <a:endParaRPr kumimoji="1" lang="en-US" altLang="zh-CN" dirty="0"/>
+          </a:p>
+          <a:p>
+            <a:pPr lvl="2"/>
+            <a:endParaRPr kumimoji="1" lang="zh-CN" altLang="en-US" dirty="0"/>
           </a:p>
         </p:txBody>
       </p:sp>
@@ -4814,6 +4966,102 @@
           <a:chExt cx="0" cy="0"/>
         </a:xfrm>
       </p:grpSpPr>
+      <p:pic>
+        <p:nvPicPr>
+          <p:cNvPr id="4" name="图片 3">
+            <a:extLst>
+              <a:ext uri="{FF2B5EF4-FFF2-40B4-BE49-F238E27FC236}">
+                <a16:creationId xmlns:a16="http://schemas.microsoft.com/office/drawing/2014/main" id="{F3A11994-DF86-374B-B700-3FF485535772}"/>
+              </a:ext>
+            </a:extLst>
+          </p:cNvPr>
+          <p:cNvPicPr>
+            <a:picLocks noChangeAspect="1"/>
+          </p:cNvPicPr>
+          <p:nvPr/>
+        </p:nvPicPr>
+        <p:blipFill>
+          <a:blip r:embed="rId2"/>
+          <a:stretch>
+            <a:fillRect/>
+          </a:stretch>
+        </p:blipFill>
+        <p:spPr>
+          <a:xfrm>
+            <a:off x="4809067" y="211487"/>
+            <a:ext cx="5219901" cy="6435026"/>
+          </a:xfrm>
+          <a:prstGeom prst="rect">
+            <a:avLst/>
+          </a:prstGeom>
+        </p:spPr>
+      </p:pic>
+      <p:sp>
+        <p:nvSpPr>
+          <p:cNvPr id="5" name="文本框 4">
+            <a:extLst>
+              <a:ext uri="{FF2B5EF4-FFF2-40B4-BE49-F238E27FC236}">
+                <a16:creationId xmlns:a16="http://schemas.microsoft.com/office/drawing/2014/main" id="{A77F5A65-0493-8B40-A426-79C7507B2A3B}"/>
+              </a:ext>
+            </a:extLst>
+          </p:cNvPr>
+          <p:cNvSpPr txBox="1"/>
+          <p:nvPr/>
+        </p:nvSpPr>
+        <p:spPr>
+          <a:xfrm>
+            <a:off x="524933" y="491066"/>
+            <a:ext cx="1018227" cy="369332"/>
+          </a:xfrm>
+          <a:prstGeom prst="rect">
+            <a:avLst/>
+          </a:prstGeom>
+          <a:noFill/>
+        </p:spPr>
+        <p:txBody>
+          <a:bodyPr wrap="none" rtlCol="0">
+            <a:spAutoFit/>
+          </a:bodyPr>
+          <a:lstStyle/>
+          <a:p>
+            <a:r>
+              <a:rPr kumimoji="1" lang="en-US" altLang="zh-CN" dirty="0"/>
+              <a:t>Protocol</a:t>
+            </a:r>
+            <a:endParaRPr kumimoji="1" lang="zh-CN" altLang="en-US" dirty="0"/>
+          </a:p>
+        </p:txBody>
+      </p:sp>
+    </p:spTree>
+    <p:extLst>
+      <p:ext uri="{BB962C8B-B14F-4D97-AF65-F5344CB8AC3E}">
+        <p14:creationId xmlns:p14="http://schemas.microsoft.com/office/powerpoint/2010/main" val="156117634"/>
+      </p:ext>
+    </p:extLst>
+  </p:cSld>
+  <p:clrMapOvr>
+    <a:masterClrMapping/>
+  </p:clrMapOvr>
+</p:sld>
+</file>
+
+<file path=ppt/slides/slide15.xml><?xml version="1.0" encoding="utf-8"?>
+<p:sld xmlns:a="http://schemas.openxmlformats.org/drawingml/2006/main" xmlns:r="http://schemas.openxmlformats.org/officeDocument/2006/relationships" xmlns:p="http://schemas.openxmlformats.org/presentationml/2006/main">
+  <p:cSld>
+    <p:spTree>
+      <p:nvGrpSpPr>
+        <p:cNvPr id="1" name=""/>
+        <p:cNvGrpSpPr/>
+        <p:nvPr/>
+      </p:nvGrpSpPr>
+      <p:grpSpPr>
+        <a:xfrm>
+          <a:off x="0" y="0"/>
+          <a:ext cx="0" cy="0"/>
+          <a:chOff x="0" y="0"/>
+          <a:chExt cx="0" cy="0"/>
+        </a:xfrm>
+      </p:grpSpPr>
       <p:sp>
         <p:nvSpPr>
           <p:cNvPr id="2" name="标题 1">
@@ -4877,33 +5125,96 @@
           <a:lstStyle/>
           <a:p>
             <a:r>
-              <a:rPr kumimoji="1" lang="en-US" altLang="zh-CN" dirty="0"/>
+              <a:rPr kumimoji="1" lang="en-US" altLang="zh-CN" dirty="0">
+                <a:solidFill>
+                  <a:srgbClr val="FF0000"/>
+                </a:solidFill>
+              </a:rPr>
               <a:t>User</a:t>
             </a:r>
             <a:r>
-              <a:rPr kumimoji="1" lang="zh-CN" altLang="en-US" dirty="0"/>
+              <a:rPr kumimoji="1" lang="zh-CN" altLang="en-US" dirty="0">
+                <a:solidFill>
+                  <a:srgbClr val="FF0000"/>
+                </a:solidFill>
+              </a:rPr>
               <a:t> </a:t>
             </a:r>
             <a:r>
-              <a:rPr kumimoji="1" lang="en-US" altLang="zh-CN" dirty="0"/>
+              <a:rPr kumimoji="1" lang="en-US" altLang="zh-CN" dirty="0">
+                <a:solidFill>
+                  <a:srgbClr val="FF0000"/>
+                </a:solidFill>
+              </a:rPr>
               <a:t>identification</a:t>
             </a:r>
             <a:r>
-              <a:rPr kumimoji="1" lang="zh-CN" altLang="en-US" dirty="0"/>
+              <a:rPr kumimoji="1" lang="zh-CN" altLang="en-US" dirty="0">
+                <a:solidFill>
+                  <a:srgbClr val="FF0000"/>
+                </a:solidFill>
+              </a:rPr>
               <a:t>中强调，用户不会使用攻击者的</a:t>
             </a:r>
             <a:r>
-              <a:rPr kumimoji="1" lang="en-US" altLang="zh-CN" dirty="0"/>
+              <a:rPr kumimoji="1" lang="en-US" altLang="zh-CN" dirty="0">
+                <a:solidFill>
+                  <a:srgbClr val="FF0000"/>
+                </a:solidFill>
+              </a:rPr>
               <a:t>token</a:t>
             </a:r>
             <a:r>
-              <a:rPr kumimoji="1" lang="zh-CN" altLang="en-US" dirty="0"/>
+              <a:rPr kumimoji="1" lang="zh-CN" altLang="en-US" dirty="0">
+                <a:solidFill>
+                  <a:srgbClr val="FF0000"/>
+                </a:solidFill>
+              </a:rPr>
               <a:t>登录</a:t>
             </a:r>
             <a:r>
-              <a:rPr kumimoji="1" lang="en-US" altLang="zh-CN"/>
+              <a:rPr kumimoji="1" lang="en-US" altLang="zh-CN" dirty="0">
+                <a:solidFill>
+                  <a:srgbClr val="FF0000"/>
+                </a:solidFill>
+              </a:rPr>
               <a:t>RP</a:t>
             </a:r>
+          </a:p>
+          <a:p>
+            <a:pPr lvl="1"/>
+            <a:r>
+              <a:rPr kumimoji="1" lang="zh-CN" altLang="en-US" dirty="0">
+                <a:solidFill>
+                  <a:srgbClr val="FF0000"/>
+                </a:solidFill>
+              </a:rPr>
+              <a:t>登陆过程中</a:t>
+            </a:r>
+            <a:r>
+              <a:rPr kumimoji="1" lang="en-US" altLang="zh-CN" dirty="0">
+                <a:solidFill>
+                  <a:srgbClr val="FF0000"/>
+                </a:solidFill>
+              </a:rPr>
+              <a:t>PID_RP</a:t>
+            </a:r>
+            <a:r>
+              <a:rPr kumimoji="1" lang="zh-CN" altLang="en-US" dirty="0">
+                <a:solidFill>
+                  <a:srgbClr val="FF0000"/>
+                </a:solidFill>
+              </a:rPr>
+              <a:t>不会泄露给攻击者</a:t>
+            </a:r>
+            <a:endParaRPr kumimoji="1" lang="en-US" altLang="zh-CN" dirty="0">
+              <a:solidFill>
+                <a:srgbClr val="FF0000"/>
+              </a:solidFill>
+            </a:endParaRPr>
+          </a:p>
+          <a:p>
+            <a:pPr lvl="1"/>
             <a:endParaRPr kumimoji="1" lang="en-US" altLang="zh-CN" dirty="0"/>
           </a:p>
           <a:p>
@@ -5010,6 +5321,221 @@
     <p:extLst>
       <p:ext uri="{BB962C8B-B14F-4D97-AF65-F5344CB8AC3E}">
         <p14:creationId xmlns:p14="http://schemas.microsoft.com/office/powerpoint/2010/main" val="2963548196"/>
+      </p:ext>
+    </p:extLst>
+  </p:cSld>
+  <p:clrMapOvr>
+    <a:masterClrMapping/>
+  </p:clrMapOvr>
+</p:sld>
+</file>
+
+<file path=ppt/slides/slide16.xml><?xml version="1.0" encoding="utf-8"?>
+<p:sld xmlns:a="http://schemas.openxmlformats.org/drawingml/2006/main" xmlns:r="http://schemas.openxmlformats.org/officeDocument/2006/relationships" xmlns:p="http://schemas.openxmlformats.org/presentationml/2006/main">
+  <p:cSld>
+    <p:spTree>
+      <p:nvGrpSpPr>
+        <p:cNvPr id="1" name=""/>
+        <p:cNvGrpSpPr/>
+        <p:nvPr/>
+      </p:nvGrpSpPr>
+      <p:grpSpPr>
+        <a:xfrm>
+          <a:off x="0" y="0"/>
+          <a:ext cx="0" cy="0"/>
+          <a:chOff x="0" y="0"/>
+          <a:chExt cx="0" cy="0"/>
+        </a:xfrm>
+      </p:grpSpPr>
+      <p:sp>
+        <p:nvSpPr>
+          <p:cNvPr id="2" name="标题 1">
+            <a:extLst>
+              <a:ext uri="{FF2B5EF4-FFF2-40B4-BE49-F238E27FC236}">
+                <a16:creationId xmlns:a16="http://schemas.microsoft.com/office/drawing/2014/main" id="{C100AEE8-C741-D247-B8D5-CC5B6D5D862D}"/>
+              </a:ext>
+            </a:extLst>
+          </p:cNvPr>
+          <p:cNvSpPr>
+            <a:spLocks noGrp="1"/>
+          </p:cNvSpPr>
+          <p:nvPr>
+            <p:ph type="title"/>
+          </p:nvPr>
+        </p:nvSpPr>
+        <p:spPr/>
+        <p:txBody>
+          <a:bodyPr/>
+          <a:lstStyle/>
+          <a:p>
+            <a:r>
+              <a:rPr kumimoji="1" lang="en-US" altLang="zh-CN" dirty="0"/>
+              <a:t>Discussion</a:t>
+            </a:r>
+            <a:endParaRPr kumimoji="1" lang="zh-CN" altLang="en-US" dirty="0"/>
+          </a:p>
+        </p:txBody>
+      </p:sp>
+      <p:sp>
+        <p:nvSpPr>
+          <p:cNvPr id="3" name="内容占位符 2">
+            <a:extLst>
+              <a:ext uri="{FF2B5EF4-FFF2-40B4-BE49-F238E27FC236}">
+                <a16:creationId xmlns:a16="http://schemas.microsoft.com/office/drawing/2014/main" id="{3F780F74-1D2D-DF4B-8C24-D53E7C91C65F}"/>
+              </a:ext>
+            </a:extLst>
+          </p:cNvPr>
+          <p:cNvSpPr>
+            <a:spLocks noGrp="1"/>
+          </p:cNvSpPr>
+          <p:nvPr>
+            <p:ph idx="1"/>
+          </p:nvPr>
+        </p:nvSpPr>
+        <p:spPr/>
+        <p:txBody>
+          <a:bodyPr/>
+          <a:lstStyle/>
+          <a:p>
+            <a:r>
+              <a:rPr kumimoji="1" lang="zh-CN" altLang="en-US" dirty="0"/>
+              <a:t>补充了</a:t>
+            </a:r>
+            <a:endParaRPr kumimoji="1" lang="en-US" altLang="zh-CN" dirty="0"/>
+          </a:p>
+          <a:p>
+            <a:pPr lvl="1"/>
+            <a:r>
+              <a:rPr kumimoji="1" lang="en-US" altLang="zh-CN" dirty="0"/>
+              <a:t>(</a:t>
+            </a:r>
+            <a:r>
+              <a:rPr kumimoji="1" lang="zh-CN" altLang="en-US" dirty="0"/>
+              <a:t>正常流程中，可能会注册失败，返回特定的错误码，重新执行</a:t>
+            </a:r>
+            <a:r>
+              <a:rPr kumimoji="1" lang="en-US" altLang="zh-CN" dirty="0"/>
+              <a:t>t</a:t>
+            </a:r>
+            <a:r>
+              <a:rPr kumimoji="1" lang="zh-CN" altLang="en-US" dirty="0"/>
+              <a:t>的生成流程</a:t>
+            </a:r>
+            <a:r>
+              <a:rPr kumimoji="1" lang="en-US" altLang="zh-CN" dirty="0"/>
+              <a:t>)PID_RP</a:t>
+            </a:r>
+            <a:r>
+              <a:rPr kumimoji="1" lang="zh-CN" altLang="en-US" dirty="0"/>
+              <a:t>可使用的规模，正常情况下生成的两个</a:t>
+            </a:r>
+            <a:r>
+              <a:rPr kumimoji="1" lang="en-US" altLang="zh-CN" dirty="0"/>
+              <a:t>PID_RP</a:t>
+            </a:r>
+            <a:r>
+              <a:rPr kumimoji="1" lang="zh-CN" altLang="en-US" dirty="0"/>
+              <a:t>碰撞的概率</a:t>
+            </a:r>
+            <a:r>
+              <a:rPr kumimoji="1" lang="en-US" altLang="zh-CN" dirty="0"/>
+              <a:t>2^-183</a:t>
+            </a:r>
+          </a:p>
+          <a:p>
+            <a:pPr lvl="1"/>
+            <a:r>
+              <a:rPr kumimoji="1" lang="zh-CN" altLang="en-US" dirty="0">
+                <a:solidFill>
+                  <a:srgbClr val="FF0000"/>
+                </a:solidFill>
+              </a:rPr>
+              <a:t>防御</a:t>
+            </a:r>
+            <a:r>
+              <a:rPr kumimoji="1" lang="en-US" altLang="zh-CN" dirty="0">
+                <a:solidFill>
+                  <a:srgbClr val="FF0000"/>
+                </a:solidFill>
+              </a:rPr>
+              <a:t>DoS</a:t>
+            </a:r>
+            <a:r>
+              <a:rPr kumimoji="1" lang="zh-CN" altLang="en-US" dirty="0">
+                <a:solidFill>
+                  <a:srgbClr val="FF0000"/>
+                </a:solidFill>
+              </a:rPr>
+              <a:t>攻击</a:t>
+            </a:r>
+            <a:endParaRPr kumimoji="1" lang="en-US" altLang="zh-CN" dirty="0">
+              <a:solidFill>
+                <a:srgbClr val="FF0000"/>
+              </a:solidFill>
+            </a:endParaRPr>
+          </a:p>
+          <a:p>
+            <a:pPr lvl="2"/>
+            <a:r>
+              <a:rPr kumimoji="1" lang="zh-CN" altLang="en-US" dirty="0">
+                <a:solidFill>
+                  <a:srgbClr val="FF0000"/>
+                </a:solidFill>
+              </a:rPr>
+              <a:t>攻击方和防御方（</a:t>
+            </a:r>
+            <a:r>
+              <a:rPr kumimoji="1" lang="en-US" altLang="zh-CN" dirty="0">
+                <a:solidFill>
+                  <a:srgbClr val="FF0000"/>
+                </a:solidFill>
+              </a:rPr>
+              <a:t>IdP</a:t>
+            </a:r>
+            <a:r>
+              <a:rPr kumimoji="1" lang="zh-CN" altLang="en-US" dirty="0">
+                <a:solidFill>
+                  <a:srgbClr val="FF0000"/>
+                </a:solidFill>
+              </a:rPr>
+              <a:t>）计算消耗不对等，攻击方需要进行多次椭圆曲线计算，防御方只需要进行</a:t>
+            </a:r>
+            <a:r>
+              <a:rPr kumimoji="1" lang="en-US" altLang="zh-CN" dirty="0">
+                <a:solidFill>
+                  <a:srgbClr val="FF0000"/>
+                </a:solidFill>
+              </a:rPr>
+              <a:t>sha256-RSA</a:t>
+            </a:r>
+            <a:r>
+              <a:rPr kumimoji="1" lang="zh-CN" altLang="en-US" dirty="0">
+                <a:solidFill>
+                  <a:srgbClr val="FF0000"/>
+                </a:solidFill>
+              </a:rPr>
+              <a:t>签名</a:t>
+            </a:r>
+            <a:r>
+              <a:rPr kumimoji="1" lang="zh-CN" altLang="en-US">
+                <a:solidFill>
+                  <a:srgbClr val="FF0000"/>
+                </a:solidFill>
+              </a:rPr>
+              <a:t>计算（可以不说）</a:t>
+            </a:r>
+            <a:endParaRPr kumimoji="1" lang="en-US" altLang="zh-CN" dirty="0">
+              <a:solidFill>
+                <a:srgbClr val="FF0000"/>
+              </a:solidFill>
+            </a:endParaRPr>
+          </a:p>
+        </p:txBody>
+      </p:sp>
+    </p:spTree>
+    <p:extLst>
+      <p:ext uri="{BB962C8B-B14F-4D97-AF65-F5344CB8AC3E}">
+        <p14:creationId xmlns:p14="http://schemas.microsoft.com/office/powerpoint/2010/main" val="1009589948"/>
       </p:ext>
     </p:extLst>
   </p:cSld>
@@ -5178,7 +5704,15 @@
             </a:r>
             <a:r>
               <a:rPr kumimoji="1" lang="en-US" altLang="zh-CN" dirty="0"/>
-              <a:t>scripting</a:t>
+              <a:t>script</a:t>
+            </a:r>
+            <a:r>
+              <a:rPr kumimoji="1" lang="en-US" altLang="zh-CN" dirty="0">
+                <a:solidFill>
+                  <a:srgbClr val="FF0000"/>
+                </a:solidFill>
+              </a:rPr>
+              <a:t>ing</a:t>
             </a:r>
             <a:r>
               <a:rPr kumimoji="1" lang="zh-CN" altLang="en-US" dirty="0"/>
@@ -5197,22 +5731,42 @@
           <a:p>
             <a:pPr lvl="2"/>
             <a:r>
-              <a:rPr kumimoji="1" lang="en-US" altLang="zh-CN" dirty="0"/>
+              <a:rPr kumimoji="1" lang="en-US" altLang="zh-CN" dirty="0">
+                <a:solidFill>
+                  <a:srgbClr val="FF0000"/>
+                </a:solidFill>
+              </a:rPr>
               <a:t>Script</a:t>
             </a:r>
             <a:r>
-              <a:rPr kumimoji="1" lang="zh-CN" altLang="en-US" dirty="0"/>
+              <a:rPr kumimoji="1" lang="zh-CN" altLang="en-US" dirty="0">
+                <a:solidFill>
+                  <a:srgbClr val="FF0000"/>
+                </a:solidFill>
+              </a:rPr>
               <a:t>：具体的</a:t>
             </a:r>
             <a:r>
-              <a:rPr kumimoji="1" lang="en-US" altLang="zh-CN" dirty="0"/>
+              <a:rPr kumimoji="1" lang="en-US" altLang="zh-CN" dirty="0">
+                <a:solidFill>
+                  <a:srgbClr val="FF0000"/>
+                </a:solidFill>
+              </a:rPr>
               <a:t>script</a:t>
             </a:r>
             <a:r>
-              <a:rPr kumimoji="1" lang="zh-CN" altLang="en-US" dirty="0"/>
+              <a:rPr kumimoji="1" lang="zh-CN" altLang="en-US" dirty="0">
+                <a:solidFill>
+                  <a:srgbClr val="FF0000"/>
+                </a:solidFill>
+              </a:rPr>
               <a:t>的集合</a:t>
             </a:r>
-            <a:endParaRPr kumimoji="1" lang="en-US" altLang="zh-CN" dirty="0"/>
+            <a:endParaRPr kumimoji="1" lang="en-US" altLang="zh-CN" dirty="0">
+              <a:solidFill>
+                <a:srgbClr val="FF0000"/>
+              </a:solidFill>
+            </a:endParaRPr>
           </a:p>
           <a:p>
             <a:pPr lvl="2"/>
@@ -5221,7 +5775,11 @@
               <a:t>E</a:t>
             </a:r>
             <a:r>
-              <a:rPr kumimoji="1" lang="en-US" altLang="zh-CN" baseline="30000" dirty="0"/>
+              <a:rPr kumimoji="1" lang="en-US" altLang="zh-CN" baseline="30000" dirty="0">
+                <a:solidFill>
+                  <a:srgbClr val="FF0000"/>
+                </a:solidFill>
+              </a:rPr>
               <a:t>0</a:t>
             </a:r>
             <a:r>
@@ -5811,7 +6369,7 @@
             <a:pPr lvl="1"/>
             <a:r>
               <a:rPr kumimoji="1" lang="en-US" altLang="zh-CN" dirty="0"/>
-              <a:t>Scripting</a:t>
+              <a:t>Script</a:t>
             </a:r>
             <a:r>
               <a:rPr kumimoji="1" lang="zh-CN" altLang="en-US" dirty="0"/>
@@ -5911,15 +6469,27 @@
               <a:t>进行表示</a:t>
             </a:r>
             <a:r>
-              <a:rPr kumimoji="1" lang="en-US" altLang="zh-CN" dirty="0"/>
+              <a:rPr kumimoji="1" lang="en-US" altLang="zh-CN" dirty="0">
+                <a:solidFill>
+                  <a:srgbClr val="FF0000"/>
+                </a:solidFill>
+              </a:rPr>
               <a:t>&lt;</a:t>
             </a:r>
             <a:r>
-              <a:rPr kumimoji="1" lang="en-US" altLang="zh-CN" dirty="0" err="1"/>
+              <a:rPr kumimoji="1" lang="en-US" altLang="zh-CN" dirty="0" err="1">
+                <a:solidFill>
+                  <a:srgbClr val="FF0000"/>
+                </a:solidFill>
+              </a:rPr>
               <a:t>a,f,m</a:t>
             </a:r>
             <a:r>
-              <a:rPr kumimoji="1" lang="en-US" altLang="zh-CN" dirty="0"/>
+              <a:rPr kumimoji="1" lang="en-US" altLang="zh-CN" dirty="0">
+                <a:solidFill>
+                  <a:srgbClr val="FF0000"/>
+                </a:solidFill>
+              </a:rPr>
               <a:t>&gt;</a:t>
             </a:r>
             <a:r>
@@ -6196,11 +6766,52 @@
               <a:rPr kumimoji="1" lang="en-US" altLang="zh-CN" dirty="0"/>
               <a:t>Origin</a:t>
             </a:r>
+            <a:r>
+              <a:rPr kumimoji="1" lang="zh-CN" altLang="en-US" dirty="0"/>
+              <a:t> （域）</a:t>
+            </a:r>
+            <a:r>
+              <a:rPr kumimoji="1" lang="zh-CN" altLang="en-US" dirty="0">
+                <a:solidFill>
+                  <a:srgbClr val="FF0000"/>
+                </a:solidFill>
+              </a:rPr>
+              <a:t>在</a:t>
+            </a:r>
+            <a:r>
+              <a:rPr kumimoji="1" lang="en-US" altLang="zh-CN" dirty="0">
+                <a:solidFill>
+                  <a:srgbClr val="FF0000"/>
+                </a:solidFill>
+              </a:rPr>
+              <a:t>script</a:t>
+            </a:r>
+            <a:r>
+              <a:rPr kumimoji="1" lang="zh-CN" altLang="en-US" dirty="0">
+                <a:solidFill>
+                  <a:srgbClr val="FF0000"/>
+                </a:solidFill>
+              </a:rPr>
+              <a:t>讨论时引入</a:t>
+            </a:r>
+            <a:endParaRPr kumimoji="1" lang="en-US" altLang="zh-CN" dirty="0">
+              <a:solidFill>
+                <a:srgbClr val="FF0000"/>
+              </a:solidFill>
+            </a:endParaRPr>
           </a:p>
           <a:p>
             <a:r>
               <a:rPr kumimoji="1" lang="en-US" altLang="zh-CN" dirty="0"/>
               <a:t>POSTMESSAGE</a:t>
+            </a:r>
+            <a:r>
+              <a:rPr kumimoji="1" lang="zh-CN" altLang="en-US" dirty="0"/>
+              <a:t> </a:t>
+            </a:r>
+            <a:r>
+              <a:rPr kumimoji="1" lang="en-US" altLang="zh-CN" dirty="0"/>
+              <a:t>package</a:t>
             </a:r>
           </a:p>
           <a:p>
@@ -6542,7 +7153,15 @@
             </a:r>
             <a:r>
               <a:rPr kumimoji="1" lang="zh-CN" altLang="en-US" dirty="0"/>
-              <a:t>是安全的，所以我们忽略</a:t>
+              <a:t>是安全的（怎么定义安全，</a:t>
+            </a:r>
+            <a:r>
+              <a:rPr kumimoji="1" lang="en-US" altLang="zh-CN" dirty="0"/>
+              <a:t>e.g.,</a:t>
+            </a:r>
+            <a:r>
+              <a:rPr kumimoji="1" lang="zh-CN" altLang="en-US" dirty="0"/>
+              <a:t> ），所以我们忽略</a:t>
             </a:r>
             <a:r>
               <a:rPr kumimoji="1" lang="en-US" altLang="zh-CN" dirty="0"/>
@@ -6624,6 +7243,29 @@
               <a:rPr kumimoji="1" lang="en-US" altLang="zh-CN" dirty="0"/>
               <a:t>document</a:t>
             </a:r>
+          </a:p>
+          <a:p>
+            <a:r>
+              <a:rPr kumimoji="1" lang="en-US" altLang="zh-CN" dirty="0">
+                <a:solidFill>
+                  <a:srgbClr val="FF0000"/>
+                </a:solidFill>
+              </a:rPr>
+              <a:t>Window-document-script</a:t>
+            </a:r>
+            <a:r>
+              <a:rPr kumimoji="1" lang="zh-CN" altLang="en-US" dirty="0">
+                <a:solidFill>
+                  <a:srgbClr val="FF0000"/>
+                </a:solidFill>
+              </a:rPr>
+              <a:t>的关系</a:t>
+            </a:r>
+            <a:endParaRPr kumimoji="1" lang="en-US" altLang="zh-CN" dirty="0">
+              <a:solidFill>
+                <a:srgbClr val="FF0000"/>
+              </a:solidFill>
+            </a:endParaRPr>
           </a:p>
           <a:p>
             <a:endParaRPr kumimoji="1" lang="en-US" altLang="zh-CN" dirty="0"/>
